--- a/Office Docs/9 Repeating events until done.pptx
+++ b/Office Docs/9 Repeating events until done.pptx
@@ -5,26 +5,28 @@
     <p:sldMasterId id="2147483660" r:id="rId1"/>
   </p:sldMasterIdLst>
   <p:notesMasterIdLst>
-    <p:notesMasterId r:id="rId19"/>
+    <p:notesMasterId r:id="rId21"/>
   </p:notesMasterIdLst>
   <p:sldIdLst>
     <p:sldId id="306" r:id="rId2"/>
     <p:sldId id="435" r:id="rId3"/>
-    <p:sldId id="307" r:id="rId4"/>
-    <p:sldId id="308" r:id="rId5"/>
-    <p:sldId id="309" r:id="rId6"/>
-    <p:sldId id="441" r:id="rId7"/>
-    <p:sldId id="312" r:id="rId8"/>
-    <p:sldId id="311" r:id="rId9"/>
-    <p:sldId id="313" r:id="rId10"/>
-    <p:sldId id="316" r:id="rId11"/>
-    <p:sldId id="314" r:id="rId12"/>
-    <p:sldId id="439" r:id="rId13"/>
-    <p:sldId id="315" r:id="rId14"/>
-    <p:sldId id="317" r:id="rId15"/>
-    <p:sldId id="436" r:id="rId16"/>
-    <p:sldId id="437" r:id="rId17"/>
-    <p:sldId id="440" r:id="rId18"/>
+    <p:sldId id="442" r:id="rId4"/>
+    <p:sldId id="307" r:id="rId5"/>
+    <p:sldId id="308" r:id="rId6"/>
+    <p:sldId id="309" r:id="rId7"/>
+    <p:sldId id="441" r:id="rId8"/>
+    <p:sldId id="312" r:id="rId9"/>
+    <p:sldId id="311" r:id="rId10"/>
+    <p:sldId id="313" r:id="rId11"/>
+    <p:sldId id="316" r:id="rId12"/>
+    <p:sldId id="443" r:id="rId13"/>
+    <p:sldId id="314" r:id="rId14"/>
+    <p:sldId id="439" r:id="rId15"/>
+    <p:sldId id="315" r:id="rId16"/>
+    <p:sldId id="317" r:id="rId17"/>
+    <p:sldId id="436" r:id="rId18"/>
+    <p:sldId id="437" r:id="rId19"/>
+    <p:sldId id="440" r:id="rId20"/>
   </p:sldIdLst>
   <p:sldSz cx="12192000" cy="6858000"/>
   <p:notesSz cx="6858000" cy="9144000"/>
@@ -130,6 +132,7 @@
           <p14:sldIdLst>
             <p14:sldId id="306"/>
             <p14:sldId id="435"/>
+            <p14:sldId id="442"/>
             <p14:sldId id="307"/>
             <p14:sldId id="308"/>
             <p14:sldId id="309"/>
@@ -138,6 +141,7 @@
             <p14:sldId id="311"/>
             <p14:sldId id="313"/>
             <p14:sldId id="316"/>
+            <p14:sldId id="443"/>
             <p14:sldId id="314"/>
             <p14:sldId id="439"/>
             <p14:sldId id="315"/>
@@ -244,7 +248,7 @@
           <a:p>
             <a:fld id="{A9DDBD42-E139-45FA-9C16-1611187CAC3F}" type="datetimeFigureOut">
               <a:rPr lang="en-US" smtClean="0"/>
-              <a:t>9/18/2014</a:t>
+              <a:t>9/24/2014</a:t>
             </a:fld>
             <a:endParaRPr lang="en-US"/>
           </a:p>
@@ -577,7 +581,7 @@
           <a:p>
             <a:fld id="{906AB01E-7BD7-442B-8A6B-D31FAFDAE830}" type="slidenum">
               <a:rPr lang="en-US" smtClean="0"/>
-              <a:t>5</a:t>
+              <a:t>6</a:t>
             </a:fld>
             <a:endParaRPr lang="en-US"/>
           </a:p>
@@ -661,7 +665,7 @@
           <a:p>
             <a:fld id="{906AB01E-7BD7-442B-8A6B-D31FAFDAE830}" type="slidenum">
               <a:rPr lang="en-US" smtClean="0"/>
-              <a:t>7</a:t>
+              <a:t>8</a:t>
             </a:fld>
             <a:endParaRPr lang="en-US"/>
           </a:p>
@@ -745,7 +749,7 @@
           <a:p>
             <a:fld id="{906AB01E-7BD7-442B-8A6B-D31FAFDAE830}" type="slidenum">
               <a:rPr lang="en-US" smtClean="0"/>
-              <a:t>8</a:t>
+              <a:t>9</a:t>
             </a:fld>
             <a:endParaRPr lang="en-US"/>
           </a:p>
@@ -829,7 +833,7 @@
           <a:p>
             <a:fld id="{906AB01E-7BD7-442B-8A6B-D31FAFDAE830}" type="slidenum">
               <a:rPr lang="en-US" smtClean="0"/>
-              <a:t>9</a:t>
+              <a:t>10</a:t>
             </a:fld>
             <a:endParaRPr lang="en-US"/>
           </a:p>
@@ -913,7 +917,7 @@
           <a:p>
             <a:fld id="{906AB01E-7BD7-442B-8A6B-D31FAFDAE830}" type="slidenum">
               <a:rPr lang="en-US" smtClean="0"/>
-              <a:t>10</a:t>
+              <a:t>11</a:t>
             </a:fld>
             <a:endParaRPr lang="en-US"/>
           </a:p>
@@ -997,7 +1001,7 @@
           <a:p>
             <a:fld id="{906AB01E-7BD7-442B-8A6B-D31FAFDAE830}" type="slidenum">
               <a:rPr lang="en-US" smtClean="0"/>
-              <a:t>11</a:t>
+              <a:t>13</a:t>
             </a:fld>
             <a:endParaRPr lang="en-US"/>
           </a:p>
@@ -1087,7 +1091,7 @@
           <a:p>
             <a:fld id="{906AB01E-7BD7-442B-8A6B-D31FAFDAE830}" type="slidenum">
               <a:rPr lang="en-US" smtClean="0"/>
-              <a:t>12</a:t>
+              <a:t>14</a:t>
             </a:fld>
             <a:endParaRPr lang="en-US"/>
           </a:p>
@@ -1683,7 +1687,7 @@
           <a:p>
             <a:fld id="{8869F24F-79D1-498A-9650-DDD01EAD51AF}" type="datetimeFigureOut">
               <a:rPr lang="en-US" smtClean="0"/>
-              <a:t>9/18/2014</a:t>
+              <a:t>9/24/2014</a:t>
             </a:fld>
             <a:endParaRPr lang="en-US"/>
           </a:p>
@@ -4004,17 +4008,8 @@
           <a:p>
             <a:r>
               <a:rPr lang="en-CA" dirty="0" smtClean="0"/>
-              <a:t>Susan </a:t>
-            </a:r>
-            <a:r>
-              <a:rPr lang="en-CA" dirty="0" smtClean="0"/>
-              <a:t>Ibach | Technical </a:t>
-            </a:r>
-            <a:r>
-              <a:rPr lang="en-CA" dirty="0" smtClean="0"/>
-              <a:t>Evangelist</a:t>
-            </a:r>
-            <a:endParaRPr lang="en-CA" dirty="0" smtClean="0"/>
+              <a:t>Susan Ibach | Technical Evangelist</a:t>
+            </a:r>
           </a:p>
         </p:txBody>
       </p:sp>
@@ -4133,13 +4128,16 @@
             <a:endParaRPr lang="en-CA" dirty="0" smtClean="0"/>
           </a:p>
           <a:p>
+            <a:endParaRPr lang="en-CA" dirty="0"/>
+          </a:p>
+          <a:p>
             <a:r>
               <a:rPr lang="en-CA" dirty="0" smtClean="0"/>
               <a:t>It </a:t>
             </a:r>
             <a:r>
               <a:rPr lang="en-CA" dirty="0"/>
-              <a:t>will draw only 3 lines! Not 4! </a:t>
+              <a:t>will actually draw 5 lines! Not 4! </a:t>
             </a:r>
             <a:endParaRPr lang="en-US" dirty="0"/>
           </a:p>
@@ -4273,7 +4271,7 @@
                 <a:latin typeface="Consolas" panose="020B0609020204030204" pitchFamily="49" charset="0"/>
                 <a:cs typeface="Consolas" panose="020B0609020204030204" pitchFamily="49" charset="0"/>
               </a:rPr>
-              <a:t>counter = 1 </a:t>
+              <a:t>counter = 0 </a:t>
             </a:r>
           </a:p>
           <a:p>
@@ -4319,7 +4317,7 @@
                 <a:latin typeface="Consolas" panose="020B0609020204030204" pitchFamily="49" charset="0"/>
                 <a:cs typeface="Consolas" panose="020B0609020204030204" pitchFamily="49" charset="0"/>
               </a:rPr>
-              <a:t> counter &lt; 4:</a:t>
+              <a:t> counter &lt;= 4:</a:t>
             </a:r>
           </a:p>
           <a:p>
@@ -4534,7 +4532,7 @@
     </p:spTree>
     <p:extLst>
       <p:ext uri="{BB962C8B-B14F-4D97-AF65-F5344CB8AC3E}">
-        <p14:creationId xmlns:p14="http://schemas.microsoft.com/office/powerpoint/2010/main" val="2108970988"/>
+        <p14:creationId xmlns:p14="http://schemas.microsoft.com/office/powerpoint/2010/main" val="1372815096"/>
       </p:ext>
     </p:extLst>
   </p:cSld>
@@ -4577,7 +4575,7 @@
                                         <p:tgtEl>
                                           <p:spTgt spid="2">
                                             <p:txEl>
-                                              <p:pRg st="5" end="5"/>
+                                              <p:pRg st="6" end="6"/>
                                             </p:txEl>
                                           </p:spTgt>
                                         </p:tgtEl>
@@ -4656,7 +4654,7 @@
         <p:spPr/>
         <p:txBody>
           <a:bodyPr>
-            <a:noAutofit/>
+            <a:normAutofit/>
           </a:bodyPr>
           <a:lstStyle/>
           <a:p>
@@ -4700,31 +4698,11 @@
           <a:p>
             <a:r>
               <a:rPr lang="en-CA" dirty="0" smtClean="0"/>
-              <a:t>Trick </a:t>
+              <a:t>It </a:t>
             </a:r>
             <a:r>
               <a:rPr lang="en-CA" dirty="0"/>
-              <a:t>question! It will execute forever! Because the value of counter is never updated! How can </a:t>
-            </a:r>
-            <a:r>
-              <a:rPr lang="en-CA" dirty="0" smtClean="0"/>
-              <a:t>the counter </a:t>
-            </a:r>
-            <a:r>
-              <a:rPr lang="en-CA" dirty="0"/>
-              <a:t>ever become greater than 3? This is called an endless </a:t>
-            </a:r>
-            <a:r>
-              <a:rPr lang="en-CA" dirty="0" smtClean="0"/>
-              <a:t>loop</a:t>
-            </a:r>
-            <a:r>
-              <a:rPr lang="en-CA" dirty="0"/>
-              <a:t> </a:t>
-            </a:r>
-            <a:r>
-              <a:rPr lang="en-CA" dirty="0" smtClean="0"/>
-              <a:t>and sometimes we get one by mistake.</a:t>
+              <a:t>will draw only 3 lines! Not 4! </a:t>
             </a:r>
             <a:endParaRPr lang="en-US" dirty="0"/>
           </a:p>
@@ -4858,7 +4836,7 @@
                 <a:latin typeface="Consolas" panose="020B0609020204030204" pitchFamily="49" charset="0"/>
                 <a:cs typeface="Consolas" panose="020B0609020204030204" pitchFamily="49" charset="0"/>
               </a:rPr>
-              <a:t>counter = 0 </a:t>
+              <a:t>counter = 1 </a:t>
             </a:r>
           </a:p>
           <a:p>
@@ -4904,7 +4882,7 @@
                 <a:latin typeface="Consolas" panose="020B0609020204030204" pitchFamily="49" charset="0"/>
                 <a:cs typeface="Consolas" panose="020B0609020204030204" pitchFamily="49" charset="0"/>
               </a:rPr>
-              <a:t> counter &lt; 3:</a:t>
+              <a:t> counter &lt; 4:</a:t>
             </a:r>
           </a:p>
           <a:p>
@@ -5056,7 +5034,7 @@
                 <a:latin typeface="Consolas" panose="020B0609020204030204" pitchFamily="49" charset="0"/>
                 <a:cs typeface="Consolas" panose="020B0609020204030204" pitchFamily="49" charset="0"/>
               </a:rPr>
-              <a:t>     </a:t>
+              <a:t>     counter = counter+1</a:t>
             </a:r>
             <a:endParaRPr kumimoji="0" lang="en-US" altLang="en-US" sz="2800" b="0" i="0" u="none" strike="noStrike" cap="none" normalizeH="0" baseline="0" dirty="0" smtClean="0">
               <a:ln>
@@ -5119,7 +5097,7 @@
     </p:spTree>
     <p:extLst>
       <p:ext uri="{BB962C8B-B14F-4D97-AF65-F5344CB8AC3E}">
-        <p14:creationId xmlns:p14="http://schemas.microsoft.com/office/powerpoint/2010/main" val="4196849298"/>
+        <p14:creationId xmlns:p14="http://schemas.microsoft.com/office/powerpoint/2010/main" val="2108970988"/>
       </p:ext>
     </p:extLst>
   </p:cSld>
@@ -5230,6 +5208,663 @@
       </p:grpSpPr>
       <p:sp>
         <p:nvSpPr>
+          <p:cNvPr id="5" name="Text Placeholder 4"/>
+          <p:cNvSpPr>
+            <a:spLocks noGrp="1"/>
+          </p:cNvSpPr>
+          <p:nvPr>
+            <p:ph type="body" sz="quarter" idx="10"/>
+          </p:nvPr>
+        </p:nvSpPr>
+        <p:spPr/>
+        <p:txBody>
+          <a:bodyPr/>
+          <a:lstStyle/>
+          <a:p>
+            <a:r>
+              <a:rPr lang="en-US" smtClean="0"/>
+              <a:t>Looping issues</a:t>
+            </a:r>
+            <a:endParaRPr lang="en-US"/>
+          </a:p>
+        </p:txBody>
+      </p:sp>
+      <p:sp>
+        <p:nvSpPr>
+          <p:cNvPr id="4" name="Subtitle 3"/>
+          <p:cNvSpPr>
+            <a:spLocks noGrp="1"/>
+          </p:cNvSpPr>
+          <p:nvPr>
+            <p:ph type="subTitle" idx="1"/>
+          </p:nvPr>
+        </p:nvSpPr>
+        <p:spPr/>
+        <p:txBody>
+          <a:bodyPr/>
+          <a:lstStyle/>
+          <a:p>
+            <a:endParaRPr lang="en-US"/>
+          </a:p>
+        </p:txBody>
+      </p:sp>
+    </p:spTree>
+    <p:extLst>
+      <p:ext uri="{BB962C8B-B14F-4D97-AF65-F5344CB8AC3E}">
+        <p14:creationId xmlns:p14="http://schemas.microsoft.com/office/powerpoint/2010/main" val="3941592072"/>
+      </p:ext>
+    </p:extLst>
+  </p:cSld>
+  <p:clrMapOvr>
+    <a:masterClrMapping/>
+  </p:clrMapOvr>
+</p:sld>
+</file>
+
+<file path=ppt/slides/slide13.xml><?xml version="1.0" encoding="utf-8"?>
+<p:sld xmlns:a="http://schemas.openxmlformats.org/drawingml/2006/main" xmlns:r="http://schemas.openxmlformats.org/officeDocument/2006/relationships" xmlns:p="http://schemas.openxmlformats.org/presentationml/2006/main">
+  <p:cSld>
+    <p:spTree>
+      <p:nvGrpSpPr>
+        <p:cNvPr id="1" name=""/>
+        <p:cNvGrpSpPr/>
+        <p:nvPr/>
+      </p:nvGrpSpPr>
+      <p:grpSpPr>
+        <a:xfrm>
+          <a:off x="0" y="0"/>
+          <a:ext cx="0" cy="0"/>
+          <a:chOff x="0" y="0"/>
+          <a:chExt cx="0" cy="0"/>
+        </a:xfrm>
+      </p:grpSpPr>
+      <p:sp>
+        <p:nvSpPr>
+          <p:cNvPr id="4" name="Title 3"/>
+          <p:cNvSpPr>
+            <a:spLocks noGrp="1"/>
+          </p:cNvSpPr>
+          <p:nvPr>
+            <p:ph type="title"/>
+          </p:nvPr>
+        </p:nvSpPr>
+        <p:spPr/>
+        <p:txBody>
+          <a:bodyPr>
+            <a:noAutofit/>
+          </a:bodyPr>
+          <a:lstStyle/>
+          <a:p>
+            <a:r>
+              <a:rPr lang="en-CA" dirty="0" smtClean="0"/>
+              <a:t>How many lines will this loop draw?</a:t>
+            </a:r>
+            <a:endParaRPr lang="en-US" dirty="0"/>
+          </a:p>
+        </p:txBody>
+      </p:sp>
+      <p:sp>
+        <p:nvSpPr>
+          <p:cNvPr id="2" name="Content Placeholder 1"/>
+          <p:cNvSpPr>
+            <a:spLocks noGrp="1"/>
+          </p:cNvSpPr>
+          <p:nvPr>
+            <p:ph sz="quarter" idx="10"/>
+          </p:nvPr>
+        </p:nvSpPr>
+        <p:spPr/>
+        <p:txBody>
+          <a:bodyPr/>
+          <a:lstStyle/>
+          <a:p>
+            <a:endParaRPr lang="en-CA" dirty="0" smtClean="0"/>
+          </a:p>
+          <a:p>
+            <a:endParaRPr lang="en-CA" dirty="0"/>
+          </a:p>
+          <a:p>
+            <a:endParaRPr lang="en-CA" dirty="0" smtClean="0"/>
+          </a:p>
+          <a:p>
+            <a:endParaRPr lang="en-CA" dirty="0"/>
+          </a:p>
+          <a:p>
+            <a:endParaRPr lang="en-CA" dirty="0" smtClean="0"/>
+          </a:p>
+          <a:p>
+            <a:r>
+              <a:rPr lang="en-CA" dirty="0" smtClean="0"/>
+              <a:t>Trick </a:t>
+            </a:r>
+            <a:r>
+              <a:rPr lang="en-CA" dirty="0"/>
+              <a:t>question! It will execute forever! Because the value of counter is never updated! How can </a:t>
+            </a:r>
+            <a:r>
+              <a:rPr lang="en-CA" dirty="0" smtClean="0"/>
+              <a:t>the counter </a:t>
+            </a:r>
+            <a:r>
+              <a:rPr lang="en-CA" dirty="0"/>
+              <a:t>ever become greater than 3? This is called an endless </a:t>
+            </a:r>
+            <a:r>
+              <a:rPr lang="en-CA" dirty="0" smtClean="0"/>
+              <a:t>loop</a:t>
+            </a:r>
+            <a:r>
+              <a:rPr lang="en-CA" dirty="0"/>
+              <a:t> </a:t>
+            </a:r>
+            <a:r>
+              <a:rPr lang="en-CA" dirty="0" smtClean="0"/>
+              <a:t>and sometimes we get one by mistake.</a:t>
+            </a:r>
+            <a:endParaRPr lang="en-US" dirty="0"/>
+          </a:p>
+        </p:txBody>
+      </p:sp>
+      <p:sp>
+        <p:nvSpPr>
+          <p:cNvPr id="9" name="Rectangle 1"/>
+          <p:cNvSpPr>
+            <a:spLocks noChangeArrowheads="1"/>
+          </p:cNvSpPr>
+          <p:nvPr/>
+        </p:nvSpPr>
+        <p:spPr bwMode="auto">
+          <a:xfrm>
+            <a:off x="990600" y="1843088"/>
+            <a:ext cx="4916731" cy="2677656"/>
+          </a:xfrm>
+          <a:prstGeom prst="rect">
+            <a:avLst/>
+          </a:prstGeom>
+          <a:solidFill>
+            <a:srgbClr val="FFFFFF"/>
+          </a:solidFill>
+          <a:ln>
+            <a:noFill/>
+          </a:ln>
+          <a:effectLst/>
+          <a:extLst>
+            <a:ext uri="{91240B29-F687-4F45-9708-019B960494DF}">
+              <a14:hiddenLine xmlns:a14="http://schemas.microsoft.com/office/drawing/2010/main" w="9525">
+                <a:solidFill>
+                  <a:schemeClr val="tx1"/>
+                </a:solidFill>
+                <a:miter lim="800000"/>
+                <a:headEnd/>
+                <a:tailEnd/>
+              </a14:hiddenLine>
+            </a:ext>
+            <a:ext uri="{AF507438-7753-43E0-B8FC-AC1667EBCBE1}">
+              <a14:hiddenEffects xmlns:a14="http://schemas.microsoft.com/office/drawing/2010/main">
+                <a:effectLst>
+                  <a:outerShdw dist="35921" dir="2700000" algn="ctr" rotWithShape="0">
+                    <a:schemeClr val="bg2"/>
+                  </a:outerShdw>
+                </a:effectLst>
+              </a14:hiddenEffects>
+            </a:ext>
+          </a:extLst>
+        </p:spPr>
+        <p:txBody>
+          <a:bodyPr vert="horz" wrap="none" lIns="91440" tIns="45720" rIns="91440" bIns="45720" numCol="1" anchor="ctr" anchorCtr="0" compatLnSpc="1">
+            <a:prstTxWarp prst="textNoShape">
+              <a:avLst/>
+            </a:prstTxWarp>
+            <a:spAutoFit/>
+          </a:bodyPr>
+          <a:lstStyle/>
+          <a:p>
+            <a:pPr marL="0" marR="0" lvl="0" indent="0" algn="l" defTabSz="914400" rtl="0" eaLnBrk="0" fontAlgn="base" latinLnBrk="0" hangingPunct="0">
+              <a:lnSpc>
+                <a:spcPct val="100000"/>
+              </a:lnSpc>
+              <a:spcBef>
+                <a:spcPct val="0"/>
+              </a:spcBef>
+              <a:spcAft>
+                <a:spcPct val="0"/>
+              </a:spcAft>
+              <a:buClrTx/>
+              <a:buSzTx/>
+              <a:buFontTx/>
+              <a:buNone/>
+              <a:tabLst/>
+            </a:pPr>
+            <a:r>
+              <a:rPr kumimoji="0" lang="en-US" altLang="en-US" sz="2800" b="0" i="0" u="none" strike="noStrike" cap="none" normalizeH="0" baseline="0" dirty="0" smtClean="0">
+                <a:ln>
+                  <a:noFill/>
+                </a:ln>
+                <a:solidFill>
+                  <a:srgbClr val="0000FF"/>
+                </a:solidFill>
+                <a:effectLst/>
+                <a:latin typeface="Consolas" panose="020B0609020204030204" pitchFamily="49" charset="0"/>
+                <a:cs typeface="Consolas" panose="020B0609020204030204" pitchFamily="49" charset="0"/>
+              </a:rPr>
+              <a:t>import</a:t>
+            </a:r>
+            <a:r>
+              <a:rPr kumimoji="0" lang="en-US" altLang="en-US" sz="2800" b="0" i="0" u="none" strike="noStrike" cap="none" normalizeH="0" baseline="0" dirty="0" smtClean="0">
+                <a:ln>
+                  <a:noFill/>
+                </a:ln>
+                <a:solidFill>
+                  <a:srgbClr val="000000"/>
+                </a:solidFill>
+                <a:effectLst/>
+                <a:latin typeface="Consolas" panose="020B0609020204030204" pitchFamily="49" charset="0"/>
+                <a:cs typeface="Consolas" panose="020B0609020204030204" pitchFamily="49" charset="0"/>
+              </a:rPr>
+              <a:t> turtle</a:t>
+            </a:r>
+          </a:p>
+          <a:p>
+            <a:pPr marL="0" marR="0" lvl="0" indent="0" algn="l" defTabSz="914400" rtl="0" eaLnBrk="0" fontAlgn="base" latinLnBrk="0" hangingPunct="0">
+              <a:lnSpc>
+                <a:spcPct val="100000"/>
+              </a:lnSpc>
+              <a:spcBef>
+                <a:spcPct val="0"/>
+              </a:spcBef>
+              <a:spcAft>
+                <a:spcPct val="0"/>
+              </a:spcAft>
+              <a:buClrTx/>
+              <a:buSzTx/>
+              <a:buFontTx/>
+              <a:buNone/>
+              <a:tabLst/>
+            </a:pPr>
+            <a:r>
+              <a:rPr kumimoji="0" lang="en-US" altLang="en-US" sz="2800" b="0" i="0" u="none" strike="noStrike" cap="none" normalizeH="0" baseline="0" dirty="0" smtClean="0">
+                <a:ln>
+                  <a:noFill/>
+                </a:ln>
+                <a:solidFill>
+                  <a:srgbClr val="000000"/>
+                </a:solidFill>
+                <a:effectLst/>
+                <a:latin typeface="Consolas" panose="020B0609020204030204" pitchFamily="49" charset="0"/>
+                <a:cs typeface="Consolas" panose="020B0609020204030204" pitchFamily="49" charset="0"/>
+              </a:rPr>
+              <a:t>counter = 0 </a:t>
+            </a:r>
+          </a:p>
+          <a:p>
+            <a:pPr marL="0" marR="0" lvl="0" indent="0" algn="l" defTabSz="914400" rtl="0" eaLnBrk="0" fontAlgn="base" latinLnBrk="0" hangingPunct="0">
+              <a:lnSpc>
+                <a:spcPct val="100000"/>
+              </a:lnSpc>
+              <a:spcBef>
+                <a:spcPct val="0"/>
+              </a:spcBef>
+              <a:spcAft>
+                <a:spcPct val="0"/>
+              </a:spcAft>
+              <a:buClrTx/>
+              <a:buSzTx/>
+              <a:buFontTx/>
+              <a:buNone/>
+              <a:tabLst/>
+            </a:pPr>
+            <a:r>
+              <a:rPr kumimoji="0" lang="en-US" altLang="en-US" sz="2800" b="0" i="0" u="none" strike="noStrike" cap="none" normalizeH="0" baseline="0" dirty="0" smtClean="0">
+                <a:ln>
+                  <a:noFill/>
+                </a:ln>
+                <a:solidFill>
+                  <a:srgbClr val="0000FF"/>
+                </a:solidFill>
+                <a:effectLst/>
+                <a:latin typeface="Consolas" panose="020B0609020204030204" pitchFamily="49" charset="0"/>
+                <a:cs typeface="Consolas" panose="020B0609020204030204" pitchFamily="49" charset="0"/>
+              </a:rPr>
+              <a:t>while</a:t>
+            </a:r>
+            <a:r>
+              <a:rPr kumimoji="0" lang="en-US" altLang="en-US" sz="2800" b="0" i="0" u="none" strike="noStrike" cap="none" normalizeH="0" baseline="0" dirty="0" smtClean="0">
+                <a:ln>
+                  <a:noFill/>
+                </a:ln>
+                <a:solidFill>
+                  <a:srgbClr val="000000"/>
+                </a:solidFill>
+                <a:effectLst/>
+                <a:latin typeface="Consolas" panose="020B0609020204030204" pitchFamily="49" charset="0"/>
+                <a:cs typeface="Consolas" panose="020B0609020204030204" pitchFamily="49" charset="0"/>
+              </a:rPr>
+              <a:t> counter &lt; 3:</a:t>
+            </a:r>
+          </a:p>
+          <a:p>
+            <a:pPr marL="0" marR="0" lvl="0" indent="0" algn="l" defTabSz="914400" rtl="0" eaLnBrk="0" fontAlgn="base" latinLnBrk="0" hangingPunct="0">
+              <a:lnSpc>
+                <a:spcPct val="100000"/>
+              </a:lnSpc>
+              <a:spcBef>
+                <a:spcPct val="0"/>
+              </a:spcBef>
+              <a:spcAft>
+                <a:spcPct val="0"/>
+              </a:spcAft>
+              <a:buClrTx/>
+              <a:buSzTx/>
+              <a:buFontTx/>
+              <a:buNone/>
+              <a:tabLst/>
+            </a:pPr>
+            <a:r>
+              <a:rPr kumimoji="0" lang="en-US" altLang="en-US" sz="2800" b="0" i="0" u="none" strike="noStrike" cap="none" normalizeH="0" baseline="0" dirty="0" smtClean="0">
+                <a:ln>
+                  <a:noFill/>
+                </a:ln>
+                <a:solidFill>
+                  <a:srgbClr val="000000"/>
+                </a:solidFill>
+                <a:effectLst/>
+                <a:latin typeface="Consolas" panose="020B0609020204030204" pitchFamily="49" charset="0"/>
+                <a:cs typeface="Consolas" panose="020B0609020204030204" pitchFamily="49" charset="0"/>
+              </a:rPr>
+              <a:t>     </a:t>
+            </a:r>
+            <a:r>
+              <a:rPr kumimoji="0" lang="en-US" altLang="en-US" sz="2800" b="0" i="0" u="none" strike="noStrike" cap="none" normalizeH="0" baseline="0" dirty="0" err="1" smtClean="0">
+                <a:ln>
+                  <a:noFill/>
+                </a:ln>
+                <a:solidFill>
+                  <a:srgbClr val="000000"/>
+                </a:solidFill>
+                <a:effectLst/>
+                <a:latin typeface="Consolas" panose="020B0609020204030204" pitchFamily="49" charset="0"/>
+                <a:cs typeface="Consolas" panose="020B0609020204030204" pitchFamily="49" charset="0"/>
+              </a:rPr>
+              <a:t>turtle.forward</a:t>
+            </a:r>
+            <a:r>
+              <a:rPr kumimoji="0" lang="en-US" altLang="en-US" sz="2800" b="0" i="0" u="none" strike="noStrike" cap="none" normalizeH="0" baseline="0" dirty="0" smtClean="0">
+                <a:ln>
+                  <a:noFill/>
+                </a:ln>
+                <a:solidFill>
+                  <a:srgbClr val="000000"/>
+                </a:solidFill>
+                <a:effectLst/>
+                <a:latin typeface="Consolas" panose="020B0609020204030204" pitchFamily="49" charset="0"/>
+                <a:cs typeface="Consolas" panose="020B0609020204030204" pitchFamily="49" charset="0"/>
+              </a:rPr>
+              <a:t>(100)</a:t>
+            </a:r>
+          </a:p>
+          <a:p>
+            <a:pPr marL="0" marR="0" lvl="0" indent="0" algn="l" defTabSz="914400" rtl="0" eaLnBrk="0" fontAlgn="base" latinLnBrk="0" hangingPunct="0">
+              <a:lnSpc>
+                <a:spcPct val="100000"/>
+              </a:lnSpc>
+              <a:spcBef>
+                <a:spcPct val="0"/>
+              </a:spcBef>
+              <a:spcAft>
+                <a:spcPct val="0"/>
+              </a:spcAft>
+              <a:buClrTx/>
+              <a:buSzTx/>
+              <a:buFontTx/>
+              <a:buNone/>
+              <a:tabLst/>
+            </a:pPr>
+            <a:r>
+              <a:rPr kumimoji="0" lang="en-US" altLang="en-US" sz="2800" b="0" i="0" u="none" strike="noStrike" cap="none" normalizeH="0" baseline="0" dirty="0" smtClean="0">
+                <a:ln>
+                  <a:noFill/>
+                </a:ln>
+                <a:solidFill>
+                  <a:srgbClr val="000000"/>
+                </a:solidFill>
+                <a:effectLst/>
+                <a:latin typeface="Consolas" panose="020B0609020204030204" pitchFamily="49" charset="0"/>
+                <a:cs typeface="Consolas" panose="020B0609020204030204" pitchFamily="49" charset="0"/>
+              </a:rPr>
+              <a:t>     </a:t>
+            </a:r>
+            <a:r>
+              <a:rPr kumimoji="0" lang="en-US" altLang="en-US" sz="2800" b="0" i="0" u="none" strike="noStrike" cap="none" normalizeH="0" baseline="0" dirty="0" err="1" smtClean="0">
+                <a:ln>
+                  <a:noFill/>
+                </a:ln>
+                <a:solidFill>
+                  <a:srgbClr val="000000"/>
+                </a:solidFill>
+                <a:effectLst/>
+                <a:latin typeface="Consolas" panose="020B0609020204030204" pitchFamily="49" charset="0"/>
+                <a:cs typeface="Consolas" panose="020B0609020204030204" pitchFamily="49" charset="0"/>
+              </a:rPr>
+              <a:t>turtle.right</a:t>
+            </a:r>
+            <a:r>
+              <a:rPr kumimoji="0" lang="en-US" altLang="en-US" sz="2800" b="0" i="0" u="none" strike="noStrike" cap="none" normalizeH="0" baseline="0" dirty="0" smtClean="0">
+                <a:ln>
+                  <a:noFill/>
+                </a:ln>
+                <a:solidFill>
+                  <a:srgbClr val="000000"/>
+                </a:solidFill>
+                <a:effectLst/>
+                <a:latin typeface="Consolas" panose="020B0609020204030204" pitchFamily="49" charset="0"/>
+                <a:cs typeface="Consolas" panose="020B0609020204030204" pitchFamily="49" charset="0"/>
+              </a:rPr>
+              <a:t>(90)</a:t>
+            </a:r>
+          </a:p>
+          <a:p>
+            <a:pPr marL="0" marR="0" lvl="0" indent="0" algn="l" defTabSz="914400" rtl="0" eaLnBrk="0" fontAlgn="base" latinLnBrk="0" hangingPunct="0">
+              <a:lnSpc>
+                <a:spcPct val="100000"/>
+              </a:lnSpc>
+              <a:spcBef>
+                <a:spcPct val="0"/>
+              </a:spcBef>
+              <a:spcAft>
+                <a:spcPct val="0"/>
+              </a:spcAft>
+              <a:buClrTx/>
+              <a:buSzTx/>
+              <a:buFontTx/>
+              <a:buNone/>
+              <a:tabLst/>
+            </a:pPr>
+            <a:r>
+              <a:rPr kumimoji="0" lang="en-US" altLang="en-US" sz="2800" b="0" i="0" u="none" strike="noStrike" cap="none" normalizeH="0" baseline="0" dirty="0" smtClean="0">
+                <a:ln>
+                  <a:noFill/>
+                </a:ln>
+                <a:solidFill>
+                  <a:srgbClr val="000000"/>
+                </a:solidFill>
+                <a:effectLst/>
+                <a:latin typeface="Consolas" panose="020B0609020204030204" pitchFamily="49" charset="0"/>
+                <a:cs typeface="Consolas" panose="020B0609020204030204" pitchFamily="49" charset="0"/>
+              </a:rPr>
+              <a:t>     </a:t>
+            </a:r>
+            <a:endParaRPr kumimoji="0" lang="en-US" altLang="en-US" sz="2800" b="0" i="0" u="none" strike="noStrike" cap="none" normalizeH="0" baseline="0" dirty="0" smtClean="0">
+              <a:ln>
+                <a:noFill/>
+              </a:ln>
+              <a:solidFill>
+                <a:schemeClr val="tx1"/>
+              </a:solidFill>
+              <a:effectLst/>
+              <a:latin typeface="Arial" panose="020B0604020202020204" pitchFamily="34" charset="0"/>
+            </a:endParaRPr>
+          </a:p>
+        </p:txBody>
+      </p:sp>
+      <p:sp>
+        <p:nvSpPr>
+          <p:cNvPr id="10" name="Title 3"/>
+          <p:cNvSpPr txBox="1">
+            <a:spLocks/>
+          </p:cNvSpPr>
+          <p:nvPr/>
+        </p:nvSpPr>
+        <p:spPr>
+          <a:xfrm>
+            <a:off x="990600" y="517525"/>
+            <a:ext cx="10515600" cy="1325563"/>
+          </a:xfrm>
+          <a:prstGeom prst="rect">
+            <a:avLst/>
+          </a:prstGeom>
+        </p:spPr>
+        <p:txBody>
+          <a:bodyPr vert="horz" lIns="91440" tIns="45720" rIns="91440" bIns="45720" rtlCol="0" anchor="ctr">
+            <a:normAutofit/>
+          </a:bodyPr>
+          <a:lstStyle>
+            <a:lvl1pPr algn="l" defTabSz="914400" rtl="0" eaLnBrk="1" latinLnBrk="0" hangingPunct="1">
+              <a:lnSpc>
+                <a:spcPct val="90000"/>
+              </a:lnSpc>
+              <a:spcBef>
+                <a:spcPct val="0"/>
+              </a:spcBef>
+              <a:buNone/>
+              <a:defRPr sz="4400" kern="1200">
+                <a:solidFill>
+                  <a:schemeClr val="tx1"/>
+                </a:solidFill>
+                <a:latin typeface="+mj-lt"/>
+                <a:ea typeface="+mj-ea"/>
+                <a:cs typeface="+mj-cs"/>
+              </a:defRPr>
+            </a:lvl1pPr>
+          </a:lstStyle>
+          <a:p>
+            <a:endParaRPr lang="en-US" dirty="0"/>
+          </a:p>
+        </p:txBody>
+      </p:sp>
+    </p:spTree>
+    <p:extLst>
+      <p:ext uri="{BB962C8B-B14F-4D97-AF65-F5344CB8AC3E}">
+        <p14:creationId xmlns:p14="http://schemas.microsoft.com/office/powerpoint/2010/main" val="4196849298"/>
+      </p:ext>
+    </p:extLst>
+  </p:cSld>
+  <p:clrMapOvr>
+    <a:masterClrMapping/>
+  </p:clrMapOvr>
+  <p:timing>
+    <p:tnLst>
+      <p:par>
+        <p:cTn id="1" dur="indefinite" restart="never" nodeType="tmRoot">
+          <p:childTnLst>
+            <p:seq concurrent="1" nextAc="seek">
+              <p:cTn id="2" dur="indefinite" nodeType="mainSeq">
+                <p:childTnLst>
+                  <p:par>
+                    <p:cTn id="3" fill="hold">
+                      <p:stCondLst>
+                        <p:cond delay="indefinite"/>
+                      </p:stCondLst>
+                      <p:childTnLst>
+                        <p:par>
+                          <p:cTn id="4" fill="hold">
+                            <p:stCondLst>
+                              <p:cond delay="0"/>
+                            </p:stCondLst>
+                            <p:childTnLst>
+                              <p:par>
+                                <p:cTn id="5" presetID="1" presetClass="entr" presetSubtype="0" fill="hold" grpId="0" nodeType="clickEffect">
+                                  <p:stCondLst>
+                                    <p:cond delay="0"/>
+                                  </p:stCondLst>
+                                  <p:childTnLst>
+                                    <p:set>
+                                      <p:cBhvr>
+                                        <p:cTn id="6" dur="1" fill="hold">
+                                          <p:stCondLst>
+                                            <p:cond delay="0"/>
+                                          </p:stCondLst>
+                                        </p:cTn>
+                                        <p:tgtEl>
+                                          <p:spTgt spid="2">
+                                            <p:txEl>
+                                              <p:pRg st="5" end="5"/>
+                                            </p:txEl>
+                                          </p:spTgt>
+                                        </p:tgtEl>
+                                        <p:attrNameLst>
+                                          <p:attrName>style.visibility</p:attrName>
+                                        </p:attrNameLst>
+                                      </p:cBhvr>
+                                      <p:to>
+                                        <p:strVal val="visible"/>
+                                      </p:to>
+                                    </p:set>
+                                  </p:childTnLst>
+                                </p:cTn>
+                              </p:par>
+                            </p:childTnLst>
+                          </p:cTn>
+                        </p:par>
+                      </p:childTnLst>
+                    </p:cTn>
+                  </p:par>
+                </p:childTnLst>
+              </p:cTn>
+              <p:prevCondLst>
+                <p:cond evt="onPrev" delay="0">
+                  <p:tgtEl>
+                    <p:sldTgt/>
+                  </p:tgtEl>
+                </p:cond>
+              </p:prevCondLst>
+              <p:nextCondLst>
+                <p:cond evt="onNext" delay="0">
+                  <p:tgtEl>
+                    <p:sldTgt/>
+                  </p:tgtEl>
+                </p:cond>
+              </p:nextCondLst>
+            </p:seq>
+          </p:childTnLst>
+        </p:cTn>
+      </p:par>
+    </p:tnLst>
+    <p:bldLst>
+      <p:bldP spid="2" grpId="0" build="p"/>
+    </p:bldLst>
+  </p:timing>
+</p:sld>
+</file>
+
+<file path=ppt/slides/slide14.xml><?xml version="1.0" encoding="utf-8"?>
+<p:sld xmlns:a="http://schemas.openxmlformats.org/drawingml/2006/main" xmlns:r="http://schemas.openxmlformats.org/officeDocument/2006/relationships" xmlns:p="http://schemas.openxmlformats.org/presentationml/2006/main">
+  <p:cSld>
+    <p:spTree>
+      <p:nvGrpSpPr>
+        <p:cNvPr id="1" name=""/>
+        <p:cNvGrpSpPr/>
+        <p:nvPr/>
+      </p:nvGrpSpPr>
+      <p:grpSpPr>
+        <a:xfrm>
+          <a:off x="0" y="0"/>
+          <a:ext cx="0" cy="0"/>
+          <a:chOff x="0" y="0"/>
+          <a:chExt cx="0" cy="0"/>
+        </a:xfrm>
+      </p:grpSpPr>
+      <p:sp>
+        <p:nvSpPr>
           <p:cNvPr id="4" name="Title 3"/>
           <p:cNvSpPr>
             <a:spLocks noGrp="1"/>
@@ -5271,7 +5906,7 @@
 </p:sld>
 </file>
 
-<file path=ppt/slides/slide13.xml><?xml version="1.0" encoding="utf-8"?>
+<file path=ppt/slides/slide15.xml><?xml version="1.0" encoding="utf-8"?>
 <p:sld xmlns:a="http://schemas.openxmlformats.org/drawingml/2006/main" xmlns:r="http://schemas.openxmlformats.org/officeDocument/2006/relationships" xmlns:p="http://schemas.openxmlformats.org/presentationml/2006/main">
   <p:cSld>
     <p:spTree>
@@ -5431,7 +6066,7 @@
 </p:sld>
 </file>
 
-<file path=ppt/slides/slide14.xml><?xml version="1.0" encoding="utf-8"?>
+<file path=ppt/slides/slide16.xml><?xml version="1.0" encoding="utf-8"?>
 <p:sld xmlns:a="http://schemas.openxmlformats.org/drawingml/2006/main" xmlns:r="http://schemas.openxmlformats.org/officeDocument/2006/relationships" xmlns:p="http://schemas.openxmlformats.org/presentationml/2006/main">
   <p:cSld>
     <p:spTree>
@@ -5624,7 +6259,7 @@
 </p:sld>
 </file>
 
-<file path=ppt/slides/slide15.xml><?xml version="1.0" encoding="utf-8"?>
+<file path=ppt/slides/slide17.xml><?xml version="1.0" encoding="utf-8"?>
 <p:sld xmlns:a="http://schemas.openxmlformats.org/drawingml/2006/main" xmlns:r="http://schemas.openxmlformats.org/officeDocument/2006/relationships" xmlns:p="http://schemas.openxmlformats.org/presentationml/2006/main">
   <p:cSld>
     <p:spTree>
@@ -6003,7 +6638,7 @@
 </p:sld>
 </file>
 
-<file path=ppt/slides/slide16.xml><?xml version="1.0" encoding="utf-8"?>
+<file path=ppt/slides/slide18.xml><?xml version="1.0" encoding="utf-8"?>
 <p:sld xmlns:a="http://schemas.openxmlformats.org/drawingml/2006/main" xmlns:r="http://schemas.openxmlformats.org/officeDocument/2006/relationships" xmlns:p="http://schemas.openxmlformats.org/presentationml/2006/main">
   <p:cSld>
     <p:spTree>
@@ -6114,7 +6749,7 @@
 </p:sld>
 </file>
 
-<file path=ppt/slides/slide17.xml><?xml version="1.0" encoding="utf-8"?>
+<file path=ppt/slides/slide19.xml><?xml version="1.0" encoding="utf-8"?>
 <p:sld xmlns:a="http://schemas.openxmlformats.org/drawingml/2006/main" xmlns:r="http://schemas.openxmlformats.org/officeDocument/2006/relationships" xmlns:p="http://schemas.openxmlformats.org/presentationml/2006/main">
   <p:cSld>
     <p:spTree>
@@ -6453,6 +7088,78 @@
       </p:grpSpPr>
       <p:sp>
         <p:nvSpPr>
+          <p:cNvPr id="5" name="Text Placeholder 4"/>
+          <p:cNvSpPr>
+            <a:spLocks noGrp="1"/>
+          </p:cNvSpPr>
+          <p:nvPr>
+            <p:ph type="body" sz="quarter" idx="10"/>
+          </p:nvPr>
+        </p:nvSpPr>
+        <p:spPr/>
+        <p:txBody>
+          <a:bodyPr/>
+          <a:lstStyle/>
+          <a:p>
+            <a:r>
+              <a:rPr lang="en-US" dirty="0" smtClean="0"/>
+              <a:t>Loop an unknown number of times</a:t>
+            </a:r>
+            <a:endParaRPr lang="en-US" dirty="0"/>
+          </a:p>
+        </p:txBody>
+      </p:sp>
+      <p:sp>
+        <p:nvSpPr>
+          <p:cNvPr id="4" name="Subtitle 3"/>
+          <p:cNvSpPr>
+            <a:spLocks noGrp="1"/>
+          </p:cNvSpPr>
+          <p:nvPr>
+            <p:ph type="subTitle" idx="1"/>
+          </p:nvPr>
+        </p:nvSpPr>
+        <p:spPr/>
+        <p:txBody>
+          <a:bodyPr/>
+          <a:lstStyle/>
+          <a:p>
+            <a:endParaRPr lang="en-US"/>
+          </a:p>
+        </p:txBody>
+      </p:sp>
+    </p:spTree>
+    <p:extLst>
+      <p:ext uri="{BB962C8B-B14F-4D97-AF65-F5344CB8AC3E}">
+        <p14:creationId xmlns:p14="http://schemas.microsoft.com/office/powerpoint/2010/main" val="2050372893"/>
+      </p:ext>
+    </p:extLst>
+  </p:cSld>
+  <p:clrMapOvr>
+    <a:masterClrMapping/>
+  </p:clrMapOvr>
+</p:sld>
+</file>
+
+<file path=ppt/slides/slide4.xml><?xml version="1.0" encoding="utf-8"?>
+<p:sld xmlns:a="http://schemas.openxmlformats.org/drawingml/2006/main" xmlns:r="http://schemas.openxmlformats.org/officeDocument/2006/relationships" xmlns:p="http://schemas.openxmlformats.org/presentationml/2006/main">
+  <p:cSld>
+    <p:spTree>
+      <p:nvGrpSpPr>
+        <p:cNvPr id="1" name=""/>
+        <p:cNvGrpSpPr/>
+        <p:nvPr/>
+      </p:nvGrpSpPr>
+      <p:grpSpPr>
+        <a:xfrm>
+          <a:off x="0" y="0"/>
+          <a:ext cx="0" cy="0"/>
+          <a:chOff x="0" y="0"/>
+          <a:chExt cx="0" cy="0"/>
+        </a:xfrm>
+      </p:grpSpPr>
+      <p:sp>
+        <p:nvSpPr>
           <p:cNvPr id="4" name="Title 3"/>
           <p:cNvSpPr>
             <a:spLocks noGrp="1"/>
@@ -6757,7 +7464,7 @@
 </p:sld>
 </file>
 
-<file path=ppt/slides/slide4.xml><?xml version="1.0" encoding="utf-8"?>
+<file path=ppt/slides/slide5.xml><?xml version="1.0" encoding="utf-8"?>
 <p:sld xmlns:a="http://schemas.openxmlformats.org/drawingml/2006/main" xmlns:r="http://schemas.openxmlformats.org/officeDocument/2006/relationships" xmlns:p="http://schemas.openxmlformats.org/presentationml/2006/main">
   <p:cSld>
     <p:spTree>
@@ -7029,7 +7736,7 @@
 </p:sld>
 </file>
 
-<file path=ppt/slides/slide5.xml><?xml version="1.0" encoding="utf-8"?>
+<file path=ppt/slides/slide6.xml><?xml version="1.0" encoding="utf-8"?>
 <p:sld xmlns:a="http://schemas.openxmlformats.org/drawingml/2006/main" xmlns:r="http://schemas.openxmlformats.org/officeDocument/2006/relationships" xmlns:p="http://schemas.openxmlformats.org/presentationml/2006/main">
   <p:cSld>
     <p:spTree>
@@ -7830,7 +8537,7 @@
 </p:sld>
 </file>
 
-<file path=ppt/slides/slide6.xml><?xml version="1.0" encoding="utf-8"?>
+<file path=ppt/slides/slide7.xml><?xml version="1.0" encoding="utf-8"?>
 <p:sld xmlns:a="http://schemas.openxmlformats.org/drawingml/2006/main" xmlns:r="http://schemas.openxmlformats.org/officeDocument/2006/relationships" xmlns:p="http://schemas.openxmlformats.org/presentationml/2006/main">
   <p:cSld>
     <p:spTree>
@@ -7883,7 +8590,7 @@
 </p:sld>
 </file>
 
-<file path=ppt/slides/slide7.xml><?xml version="1.0" encoding="utf-8"?>
+<file path=ppt/slides/slide8.xml><?xml version="1.0" encoding="utf-8"?>
 <p:sld xmlns:a="http://schemas.openxmlformats.org/drawingml/2006/main" xmlns:r="http://schemas.openxmlformats.org/officeDocument/2006/relationships" xmlns:p="http://schemas.openxmlformats.org/presentationml/2006/main">
   <p:cSld>
     <p:spTree>
@@ -8401,7 +9108,7 @@
 </p:sld>
 </file>
 
-<file path=ppt/slides/slide8.xml><?xml version="1.0" encoding="utf-8"?>
+<file path=ppt/slides/slide9.xml><?xml version="1.0" encoding="utf-8"?>
 <p:sld xmlns:a="http://schemas.openxmlformats.org/drawingml/2006/main" xmlns:r="http://schemas.openxmlformats.org/officeDocument/2006/relationships" xmlns:p="http://schemas.openxmlformats.org/presentationml/2006/main">
   <p:cSld>
     <p:spTree>
@@ -9219,574 +9926,6 @@
     <p:extLst>
       <p:ext uri="{BB962C8B-B14F-4D97-AF65-F5344CB8AC3E}">
         <p14:creationId xmlns:p14="http://schemas.microsoft.com/office/powerpoint/2010/main" val="1809683620"/>
-      </p:ext>
-    </p:extLst>
-  </p:cSld>
-  <p:clrMapOvr>
-    <a:masterClrMapping/>
-  </p:clrMapOvr>
-  <p:timing>
-    <p:tnLst>
-      <p:par>
-        <p:cTn id="1" dur="indefinite" restart="never" nodeType="tmRoot">
-          <p:childTnLst>
-            <p:seq concurrent="1" nextAc="seek">
-              <p:cTn id="2" dur="indefinite" nodeType="mainSeq">
-                <p:childTnLst>
-                  <p:par>
-                    <p:cTn id="3" fill="hold">
-                      <p:stCondLst>
-                        <p:cond delay="indefinite"/>
-                      </p:stCondLst>
-                      <p:childTnLst>
-                        <p:par>
-                          <p:cTn id="4" fill="hold">
-                            <p:stCondLst>
-                              <p:cond delay="0"/>
-                            </p:stCondLst>
-                            <p:childTnLst>
-                              <p:par>
-                                <p:cTn id="5" presetID="1" presetClass="entr" presetSubtype="0" fill="hold" grpId="0" nodeType="clickEffect">
-                                  <p:stCondLst>
-                                    <p:cond delay="0"/>
-                                  </p:stCondLst>
-                                  <p:childTnLst>
-                                    <p:set>
-                                      <p:cBhvr>
-                                        <p:cTn id="6" dur="1" fill="hold">
-                                          <p:stCondLst>
-                                            <p:cond delay="0"/>
-                                          </p:stCondLst>
-                                        </p:cTn>
-                                        <p:tgtEl>
-                                          <p:spTgt spid="2">
-                                            <p:txEl>
-                                              <p:pRg st="6" end="6"/>
-                                            </p:txEl>
-                                          </p:spTgt>
-                                        </p:tgtEl>
-                                        <p:attrNameLst>
-                                          <p:attrName>style.visibility</p:attrName>
-                                        </p:attrNameLst>
-                                      </p:cBhvr>
-                                      <p:to>
-                                        <p:strVal val="visible"/>
-                                      </p:to>
-                                    </p:set>
-                                  </p:childTnLst>
-                                </p:cTn>
-                              </p:par>
-                            </p:childTnLst>
-                          </p:cTn>
-                        </p:par>
-                      </p:childTnLst>
-                    </p:cTn>
-                  </p:par>
-                </p:childTnLst>
-              </p:cTn>
-              <p:prevCondLst>
-                <p:cond evt="onPrev" delay="0">
-                  <p:tgtEl>
-                    <p:sldTgt/>
-                  </p:tgtEl>
-                </p:cond>
-              </p:prevCondLst>
-              <p:nextCondLst>
-                <p:cond evt="onNext" delay="0">
-                  <p:tgtEl>
-                    <p:sldTgt/>
-                  </p:tgtEl>
-                </p:cond>
-              </p:nextCondLst>
-            </p:seq>
-          </p:childTnLst>
-        </p:cTn>
-      </p:par>
-    </p:tnLst>
-    <p:bldLst>
-      <p:bldP spid="2" grpId="0" build="p"/>
-    </p:bldLst>
-  </p:timing>
-</p:sld>
-</file>
-
-<file path=ppt/slides/slide9.xml><?xml version="1.0" encoding="utf-8"?>
-<p:sld xmlns:a="http://schemas.openxmlformats.org/drawingml/2006/main" xmlns:r="http://schemas.openxmlformats.org/officeDocument/2006/relationships" xmlns:p="http://schemas.openxmlformats.org/presentationml/2006/main">
-  <p:cSld>
-    <p:spTree>
-      <p:nvGrpSpPr>
-        <p:cNvPr id="1" name=""/>
-        <p:cNvGrpSpPr/>
-        <p:nvPr/>
-      </p:nvGrpSpPr>
-      <p:grpSpPr>
-        <a:xfrm>
-          <a:off x="0" y="0"/>
-          <a:ext cx="0" cy="0"/>
-          <a:chOff x="0" y="0"/>
-          <a:chExt cx="0" cy="0"/>
-        </a:xfrm>
-      </p:grpSpPr>
-      <p:sp>
-        <p:nvSpPr>
-          <p:cNvPr id="4" name="Title 3"/>
-          <p:cNvSpPr>
-            <a:spLocks noGrp="1"/>
-          </p:cNvSpPr>
-          <p:nvPr>
-            <p:ph type="title"/>
-          </p:nvPr>
-        </p:nvSpPr>
-        <p:spPr/>
-        <p:txBody>
-          <a:bodyPr>
-            <a:normAutofit/>
-          </a:bodyPr>
-          <a:lstStyle/>
-          <a:p>
-            <a:r>
-              <a:rPr lang="en-CA" dirty="0" smtClean="0"/>
-              <a:t>How many lines will this loop draw?</a:t>
-            </a:r>
-            <a:endParaRPr lang="en-US" dirty="0"/>
-          </a:p>
-        </p:txBody>
-      </p:sp>
-      <p:sp>
-        <p:nvSpPr>
-          <p:cNvPr id="2" name="Content Placeholder 1"/>
-          <p:cNvSpPr>
-            <a:spLocks noGrp="1"/>
-          </p:cNvSpPr>
-          <p:nvPr>
-            <p:ph sz="quarter" idx="10"/>
-          </p:nvPr>
-        </p:nvSpPr>
-        <p:spPr/>
-        <p:txBody>
-          <a:bodyPr/>
-          <a:lstStyle/>
-          <a:p>
-            <a:endParaRPr lang="en-CA" dirty="0" smtClean="0"/>
-          </a:p>
-          <a:p>
-            <a:endParaRPr lang="en-CA" dirty="0"/>
-          </a:p>
-          <a:p>
-            <a:endParaRPr lang="en-CA" dirty="0" smtClean="0"/>
-          </a:p>
-          <a:p>
-            <a:endParaRPr lang="en-CA" dirty="0"/>
-          </a:p>
-          <a:p>
-            <a:endParaRPr lang="en-CA" dirty="0" smtClean="0"/>
-          </a:p>
-          <a:p>
-            <a:endParaRPr lang="en-CA" dirty="0"/>
-          </a:p>
-          <a:p>
-            <a:r>
-              <a:rPr lang="en-CA" dirty="0" smtClean="0"/>
-              <a:t>It </a:t>
-            </a:r>
-            <a:r>
-              <a:rPr lang="en-CA" dirty="0"/>
-              <a:t>will actually draw 5 lines! Not 4! </a:t>
-            </a:r>
-            <a:endParaRPr lang="en-US" dirty="0"/>
-          </a:p>
-        </p:txBody>
-      </p:sp>
-      <p:sp>
-        <p:nvSpPr>
-          <p:cNvPr id="9" name="Rectangle 1"/>
-          <p:cNvSpPr>
-            <a:spLocks noChangeArrowheads="1"/>
-          </p:cNvSpPr>
-          <p:nvPr/>
-        </p:nvSpPr>
-        <p:spPr bwMode="auto">
-          <a:xfrm>
-            <a:off x="990600" y="1843088"/>
-            <a:ext cx="4916731" cy="2677656"/>
-          </a:xfrm>
-          <a:prstGeom prst="rect">
-            <a:avLst/>
-          </a:prstGeom>
-          <a:solidFill>
-            <a:srgbClr val="FFFFFF"/>
-          </a:solidFill>
-          <a:ln>
-            <a:noFill/>
-          </a:ln>
-          <a:effectLst/>
-          <a:extLst>
-            <a:ext uri="{91240B29-F687-4F45-9708-019B960494DF}">
-              <a14:hiddenLine xmlns:a14="http://schemas.microsoft.com/office/drawing/2010/main" w="9525">
-                <a:solidFill>
-                  <a:schemeClr val="tx1"/>
-                </a:solidFill>
-                <a:miter lim="800000"/>
-                <a:headEnd/>
-                <a:tailEnd/>
-              </a14:hiddenLine>
-            </a:ext>
-            <a:ext uri="{AF507438-7753-43E0-B8FC-AC1667EBCBE1}">
-              <a14:hiddenEffects xmlns:a14="http://schemas.microsoft.com/office/drawing/2010/main">
-                <a:effectLst>
-                  <a:outerShdw dist="35921" dir="2700000" algn="ctr" rotWithShape="0">
-                    <a:schemeClr val="bg2"/>
-                  </a:outerShdw>
-                </a:effectLst>
-              </a14:hiddenEffects>
-            </a:ext>
-          </a:extLst>
-        </p:spPr>
-        <p:txBody>
-          <a:bodyPr vert="horz" wrap="none" lIns="91440" tIns="45720" rIns="91440" bIns="45720" numCol="1" anchor="ctr" anchorCtr="0" compatLnSpc="1">
-            <a:prstTxWarp prst="textNoShape">
-              <a:avLst/>
-            </a:prstTxWarp>
-            <a:spAutoFit/>
-          </a:bodyPr>
-          <a:lstStyle/>
-          <a:p>
-            <a:pPr marL="0" marR="0" lvl="0" indent="0" algn="l" defTabSz="914400" rtl="0" eaLnBrk="0" fontAlgn="base" latinLnBrk="0" hangingPunct="0">
-              <a:lnSpc>
-                <a:spcPct val="100000"/>
-              </a:lnSpc>
-              <a:spcBef>
-                <a:spcPct val="0"/>
-              </a:spcBef>
-              <a:spcAft>
-                <a:spcPct val="0"/>
-              </a:spcAft>
-              <a:buClrTx/>
-              <a:buSzTx/>
-              <a:buFontTx/>
-              <a:buNone/>
-              <a:tabLst/>
-            </a:pPr>
-            <a:r>
-              <a:rPr kumimoji="0" lang="en-US" altLang="en-US" sz="2800" b="0" i="0" u="none" strike="noStrike" cap="none" normalizeH="0" baseline="0" dirty="0" smtClean="0">
-                <a:ln>
-                  <a:noFill/>
-                </a:ln>
-                <a:solidFill>
-                  <a:srgbClr val="0000FF"/>
-                </a:solidFill>
-                <a:effectLst/>
-                <a:latin typeface="Consolas" panose="020B0609020204030204" pitchFamily="49" charset="0"/>
-                <a:cs typeface="Consolas" panose="020B0609020204030204" pitchFamily="49" charset="0"/>
-              </a:rPr>
-              <a:t>import</a:t>
-            </a:r>
-            <a:r>
-              <a:rPr kumimoji="0" lang="en-US" altLang="en-US" sz="2800" b="0" i="0" u="none" strike="noStrike" cap="none" normalizeH="0" baseline="0" dirty="0" smtClean="0">
-                <a:ln>
-                  <a:noFill/>
-                </a:ln>
-                <a:solidFill>
-                  <a:srgbClr val="000000"/>
-                </a:solidFill>
-                <a:effectLst/>
-                <a:latin typeface="Consolas" panose="020B0609020204030204" pitchFamily="49" charset="0"/>
-                <a:cs typeface="Consolas" panose="020B0609020204030204" pitchFamily="49" charset="0"/>
-              </a:rPr>
-              <a:t> turtle</a:t>
-            </a:r>
-          </a:p>
-          <a:p>
-            <a:pPr marL="0" marR="0" lvl="0" indent="0" algn="l" defTabSz="914400" rtl="0" eaLnBrk="0" fontAlgn="base" latinLnBrk="0" hangingPunct="0">
-              <a:lnSpc>
-                <a:spcPct val="100000"/>
-              </a:lnSpc>
-              <a:spcBef>
-                <a:spcPct val="0"/>
-              </a:spcBef>
-              <a:spcAft>
-                <a:spcPct val="0"/>
-              </a:spcAft>
-              <a:buClrTx/>
-              <a:buSzTx/>
-              <a:buFontTx/>
-              <a:buNone/>
-              <a:tabLst/>
-            </a:pPr>
-            <a:r>
-              <a:rPr kumimoji="0" lang="en-US" altLang="en-US" sz="2800" b="0" i="0" u="none" strike="noStrike" cap="none" normalizeH="0" baseline="0" dirty="0" smtClean="0">
-                <a:ln>
-                  <a:noFill/>
-                </a:ln>
-                <a:solidFill>
-                  <a:srgbClr val="000000"/>
-                </a:solidFill>
-                <a:effectLst/>
-                <a:latin typeface="Consolas" panose="020B0609020204030204" pitchFamily="49" charset="0"/>
-                <a:cs typeface="Consolas" panose="020B0609020204030204" pitchFamily="49" charset="0"/>
-              </a:rPr>
-              <a:t>counter = 0 </a:t>
-            </a:r>
-          </a:p>
-          <a:p>
-            <a:pPr marL="0" marR="0" lvl="0" indent="0" algn="l" defTabSz="914400" rtl="0" eaLnBrk="0" fontAlgn="base" latinLnBrk="0" hangingPunct="0">
-              <a:lnSpc>
-                <a:spcPct val="100000"/>
-              </a:lnSpc>
-              <a:spcBef>
-                <a:spcPct val="0"/>
-              </a:spcBef>
-              <a:spcAft>
-                <a:spcPct val="0"/>
-              </a:spcAft>
-              <a:buClrTx/>
-              <a:buSzTx/>
-              <a:buFontTx/>
-              <a:buNone/>
-              <a:tabLst/>
-            </a:pPr>
-            <a:r>
-              <a:rPr kumimoji="0" lang="en-US" altLang="en-US" sz="2800" b="0" i="0" u="none" strike="noStrike" cap="none" normalizeH="0" baseline="0" dirty="0" smtClean="0">
-                <a:ln>
-                  <a:noFill/>
-                </a:ln>
-                <a:solidFill>
-                  <a:srgbClr val="0000FF"/>
-                </a:solidFill>
-                <a:effectLst/>
-                <a:latin typeface="Consolas" panose="020B0609020204030204" pitchFamily="49" charset="0"/>
-                <a:cs typeface="Consolas" panose="020B0609020204030204" pitchFamily="49" charset="0"/>
-              </a:rPr>
-              <a:t>while</a:t>
-            </a:r>
-            <a:r>
-              <a:rPr kumimoji="0" lang="en-US" altLang="en-US" sz="2800" b="0" i="0" u="none" strike="noStrike" cap="none" normalizeH="0" baseline="0" dirty="0" smtClean="0">
-                <a:ln>
-                  <a:noFill/>
-                </a:ln>
-                <a:solidFill>
-                  <a:srgbClr val="000000"/>
-                </a:solidFill>
-                <a:effectLst/>
-                <a:latin typeface="Consolas" panose="020B0609020204030204" pitchFamily="49" charset="0"/>
-                <a:cs typeface="Consolas" panose="020B0609020204030204" pitchFamily="49" charset="0"/>
-              </a:rPr>
-              <a:t> counter &lt;= 4:</a:t>
-            </a:r>
-          </a:p>
-          <a:p>
-            <a:pPr marL="0" marR="0" lvl="0" indent="0" algn="l" defTabSz="914400" rtl="0" eaLnBrk="0" fontAlgn="base" latinLnBrk="0" hangingPunct="0">
-              <a:lnSpc>
-                <a:spcPct val="100000"/>
-              </a:lnSpc>
-              <a:spcBef>
-                <a:spcPct val="0"/>
-              </a:spcBef>
-              <a:spcAft>
-                <a:spcPct val="0"/>
-              </a:spcAft>
-              <a:buClrTx/>
-              <a:buSzTx/>
-              <a:buFontTx/>
-              <a:buNone/>
-              <a:tabLst/>
-            </a:pPr>
-            <a:r>
-              <a:rPr kumimoji="0" lang="en-US" altLang="en-US" sz="2800" b="0" i="0" u="none" strike="noStrike" cap="none" normalizeH="0" baseline="0" dirty="0" smtClean="0">
-                <a:ln>
-                  <a:noFill/>
-                </a:ln>
-                <a:solidFill>
-                  <a:srgbClr val="000000"/>
-                </a:solidFill>
-                <a:effectLst/>
-                <a:latin typeface="Consolas" panose="020B0609020204030204" pitchFamily="49" charset="0"/>
-                <a:cs typeface="Consolas" panose="020B0609020204030204" pitchFamily="49" charset="0"/>
-              </a:rPr>
-              <a:t>     </a:t>
-            </a:r>
-            <a:r>
-              <a:rPr kumimoji="0" lang="en-US" altLang="en-US" sz="2800" b="0" i="0" u="none" strike="noStrike" cap="none" normalizeH="0" baseline="0" dirty="0" err="1" smtClean="0">
-                <a:ln>
-                  <a:noFill/>
-                </a:ln>
-                <a:solidFill>
-                  <a:srgbClr val="000000"/>
-                </a:solidFill>
-                <a:effectLst/>
-                <a:latin typeface="Consolas" panose="020B0609020204030204" pitchFamily="49" charset="0"/>
-                <a:cs typeface="Consolas" panose="020B0609020204030204" pitchFamily="49" charset="0"/>
-              </a:rPr>
-              <a:t>turtle.forward</a:t>
-            </a:r>
-            <a:r>
-              <a:rPr kumimoji="0" lang="en-US" altLang="en-US" sz="2800" b="0" i="0" u="none" strike="noStrike" cap="none" normalizeH="0" baseline="0" dirty="0" smtClean="0">
-                <a:ln>
-                  <a:noFill/>
-                </a:ln>
-                <a:solidFill>
-                  <a:srgbClr val="000000"/>
-                </a:solidFill>
-                <a:effectLst/>
-                <a:latin typeface="Consolas" panose="020B0609020204030204" pitchFamily="49" charset="0"/>
-                <a:cs typeface="Consolas" panose="020B0609020204030204" pitchFamily="49" charset="0"/>
-              </a:rPr>
-              <a:t>(100)</a:t>
-            </a:r>
-          </a:p>
-          <a:p>
-            <a:pPr marL="0" marR="0" lvl="0" indent="0" algn="l" defTabSz="914400" rtl="0" eaLnBrk="0" fontAlgn="base" latinLnBrk="0" hangingPunct="0">
-              <a:lnSpc>
-                <a:spcPct val="100000"/>
-              </a:lnSpc>
-              <a:spcBef>
-                <a:spcPct val="0"/>
-              </a:spcBef>
-              <a:spcAft>
-                <a:spcPct val="0"/>
-              </a:spcAft>
-              <a:buClrTx/>
-              <a:buSzTx/>
-              <a:buFontTx/>
-              <a:buNone/>
-              <a:tabLst/>
-            </a:pPr>
-            <a:r>
-              <a:rPr kumimoji="0" lang="en-US" altLang="en-US" sz="2800" b="0" i="0" u="none" strike="noStrike" cap="none" normalizeH="0" baseline="0" dirty="0" smtClean="0">
-                <a:ln>
-                  <a:noFill/>
-                </a:ln>
-                <a:solidFill>
-                  <a:srgbClr val="000000"/>
-                </a:solidFill>
-                <a:effectLst/>
-                <a:latin typeface="Consolas" panose="020B0609020204030204" pitchFamily="49" charset="0"/>
-                <a:cs typeface="Consolas" panose="020B0609020204030204" pitchFamily="49" charset="0"/>
-              </a:rPr>
-              <a:t>     </a:t>
-            </a:r>
-            <a:r>
-              <a:rPr kumimoji="0" lang="en-US" altLang="en-US" sz="2800" b="0" i="0" u="none" strike="noStrike" cap="none" normalizeH="0" baseline="0" dirty="0" err="1" smtClean="0">
-                <a:ln>
-                  <a:noFill/>
-                </a:ln>
-                <a:solidFill>
-                  <a:srgbClr val="000000"/>
-                </a:solidFill>
-                <a:effectLst/>
-                <a:latin typeface="Consolas" panose="020B0609020204030204" pitchFamily="49" charset="0"/>
-                <a:cs typeface="Consolas" panose="020B0609020204030204" pitchFamily="49" charset="0"/>
-              </a:rPr>
-              <a:t>turtle.right</a:t>
-            </a:r>
-            <a:r>
-              <a:rPr kumimoji="0" lang="en-US" altLang="en-US" sz="2800" b="0" i="0" u="none" strike="noStrike" cap="none" normalizeH="0" baseline="0" dirty="0" smtClean="0">
-                <a:ln>
-                  <a:noFill/>
-                </a:ln>
-                <a:solidFill>
-                  <a:srgbClr val="000000"/>
-                </a:solidFill>
-                <a:effectLst/>
-                <a:latin typeface="Consolas" panose="020B0609020204030204" pitchFamily="49" charset="0"/>
-                <a:cs typeface="Consolas" panose="020B0609020204030204" pitchFamily="49" charset="0"/>
-              </a:rPr>
-              <a:t>(90)</a:t>
-            </a:r>
-          </a:p>
-          <a:p>
-            <a:pPr marL="0" marR="0" lvl="0" indent="0" algn="l" defTabSz="914400" rtl="0" eaLnBrk="0" fontAlgn="base" latinLnBrk="0" hangingPunct="0">
-              <a:lnSpc>
-                <a:spcPct val="100000"/>
-              </a:lnSpc>
-              <a:spcBef>
-                <a:spcPct val="0"/>
-              </a:spcBef>
-              <a:spcAft>
-                <a:spcPct val="0"/>
-              </a:spcAft>
-              <a:buClrTx/>
-              <a:buSzTx/>
-              <a:buFontTx/>
-              <a:buNone/>
-              <a:tabLst/>
-            </a:pPr>
-            <a:r>
-              <a:rPr kumimoji="0" lang="en-US" altLang="en-US" sz="2800" b="0" i="0" u="none" strike="noStrike" cap="none" normalizeH="0" baseline="0" dirty="0" smtClean="0">
-                <a:ln>
-                  <a:noFill/>
-                </a:ln>
-                <a:solidFill>
-                  <a:srgbClr val="000000"/>
-                </a:solidFill>
-                <a:effectLst/>
-                <a:latin typeface="Consolas" panose="020B0609020204030204" pitchFamily="49" charset="0"/>
-                <a:cs typeface="Consolas" panose="020B0609020204030204" pitchFamily="49" charset="0"/>
-              </a:rPr>
-              <a:t>     counter = counter+1</a:t>
-            </a:r>
-            <a:endParaRPr kumimoji="0" lang="en-US" altLang="en-US" sz="2800" b="0" i="0" u="none" strike="noStrike" cap="none" normalizeH="0" baseline="0" dirty="0" smtClean="0">
-              <a:ln>
-                <a:noFill/>
-              </a:ln>
-              <a:solidFill>
-                <a:schemeClr val="tx1"/>
-              </a:solidFill>
-              <a:effectLst/>
-              <a:latin typeface="Arial" panose="020B0604020202020204" pitchFamily="34" charset="0"/>
-            </a:endParaRPr>
-          </a:p>
-        </p:txBody>
-      </p:sp>
-      <p:sp>
-        <p:nvSpPr>
-          <p:cNvPr id="10" name="Title 3"/>
-          <p:cNvSpPr txBox="1">
-            <a:spLocks/>
-          </p:cNvSpPr>
-          <p:nvPr/>
-        </p:nvSpPr>
-        <p:spPr>
-          <a:xfrm>
-            <a:off x="990600" y="517525"/>
-            <a:ext cx="10515600" cy="1325563"/>
-          </a:xfrm>
-          <a:prstGeom prst="rect">
-            <a:avLst/>
-          </a:prstGeom>
-        </p:spPr>
-        <p:txBody>
-          <a:bodyPr vert="horz" lIns="91440" tIns="45720" rIns="91440" bIns="45720" rtlCol="0" anchor="ctr">
-            <a:normAutofit/>
-          </a:bodyPr>
-          <a:lstStyle>
-            <a:lvl1pPr algn="l" defTabSz="914400" rtl="0" eaLnBrk="1" latinLnBrk="0" hangingPunct="1">
-              <a:lnSpc>
-                <a:spcPct val="90000"/>
-              </a:lnSpc>
-              <a:spcBef>
-                <a:spcPct val="0"/>
-              </a:spcBef>
-              <a:buNone/>
-              <a:defRPr sz="4400" kern="1200">
-                <a:solidFill>
-                  <a:schemeClr val="tx1"/>
-                </a:solidFill>
-                <a:latin typeface="+mj-lt"/>
-                <a:ea typeface="+mj-ea"/>
-                <a:cs typeface="+mj-cs"/>
-              </a:defRPr>
-            </a:lvl1pPr>
-          </a:lstStyle>
-          <a:p>
-            <a:endParaRPr lang="en-US" dirty="0"/>
-          </a:p>
-        </p:txBody>
-      </p:sp>
-    </p:spTree>
-    <p:extLst>
-      <p:ext uri="{BB962C8B-B14F-4D97-AF65-F5344CB8AC3E}">
-        <p14:creationId xmlns:p14="http://schemas.microsoft.com/office/powerpoint/2010/main" val="1372815096"/>
       </p:ext>
     </p:extLst>
   </p:cSld>
